--- a/img/hero.pptx
+++ b/img/hero.pptx
@@ -271,7 +271,7 @@
           <a:p>
             <a:fld id="{EFFEA685-BBEC-B74E-B5D9-2AE9ADAFDF57}" type="datetimeFigureOut">
               <a:rPr lang="de-DE" smtClean="0"/>
-              <a:t>08.03.25</a:t>
+              <a:t>12.03.25</a:t>
             </a:fld>
             <a:endParaRPr lang="de-DE"/>
           </a:p>
@@ -469,7 +469,7 @@
           <a:p>
             <a:fld id="{EFFEA685-BBEC-B74E-B5D9-2AE9ADAFDF57}" type="datetimeFigureOut">
               <a:rPr lang="de-DE" smtClean="0"/>
-              <a:t>08.03.25</a:t>
+              <a:t>12.03.25</a:t>
             </a:fld>
             <a:endParaRPr lang="de-DE"/>
           </a:p>
@@ -677,7 +677,7 @@
           <a:p>
             <a:fld id="{EFFEA685-BBEC-B74E-B5D9-2AE9ADAFDF57}" type="datetimeFigureOut">
               <a:rPr lang="de-DE" smtClean="0"/>
-              <a:t>08.03.25</a:t>
+              <a:t>12.03.25</a:t>
             </a:fld>
             <a:endParaRPr lang="de-DE"/>
           </a:p>
@@ -875,7 +875,7 @@
           <a:p>
             <a:fld id="{EFFEA685-BBEC-B74E-B5D9-2AE9ADAFDF57}" type="datetimeFigureOut">
               <a:rPr lang="de-DE" smtClean="0"/>
-              <a:t>08.03.25</a:t>
+              <a:t>12.03.25</a:t>
             </a:fld>
             <a:endParaRPr lang="de-DE"/>
           </a:p>
@@ -1150,7 +1150,7 @@
           <a:p>
             <a:fld id="{EFFEA685-BBEC-B74E-B5D9-2AE9ADAFDF57}" type="datetimeFigureOut">
               <a:rPr lang="de-DE" smtClean="0"/>
-              <a:t>08.03.25</a:t>
+              <a:t>12.03.25</a:t>
             </a:fld>
             <a:endParaRPr lang="de-DE"/>
           </a:p>
@@ -1415,7 +1415,7 @@
           <a:p>
             <a:fld id="{EFFEA685-BBEC-B74E-B5D9-2AE9ADAFDF57}" type="datetimeFigureOut">
               <a:rPr lang="de-DE" smtClean="0"/>
-              <a:t>08.03.25</a:t>
+              <a:t>12.03.25</a:t>
             </a:fld>
             <a:endParaRPr lang="de-DE"/>
           </a:p>
@@ -1827,7 +1827,7 @@
           <a:p>
             <a:fld id="{EFFEA685-BBEC-B74E-B5D9-2AE9ADAFDF57}" type="datetimeFigureOut">
               <a:rPr lang="de-DE" smtClean="0"/>
-              <a:t>08.03.25</a:t>
+              <a:t>12.03.25</a:t>
             </a:fld>
             <a:endParaRPr lang="de-DE"/>
           </a:p>
@@ -1968,7 +1968,7 @@
           <a:p>
             <a:fld id="{EFFEA685-BBEC-B74E-B5D9-2AE9ADAFDF57}" type="datetimeFigureOut">
               <a:rPr lang="de-DE" smtClean="0"/>
-              <a:t>08.03.25</a:t>
+              <a:t>12.03.25</a:t>
             </a:fld>
             <a:endParaRPr lang="de-DE"/>
           </a:p>
@@ -2081,7 +2081,7 @@
           <a:p>
             <a:fld id="{EFFEA685-BBEC-B74E-B5D9-2AE9ADAFDF57}" type="datetimeFigureOut">
               <a:rPr lang="de-DE" smtClean="0"/>
-              <a:t>08.03.25</a:t>
+              <a:t>12.03.25</a:t>
             </a:fld>
             <a:endParaRPr lang="de-DE"/>
           </a:p>
@@ -2392,7 +2392,7 @@
           <a:p>
             <a:fld id="{EFFEA685-BBEC-B74E-B5D9-2AE9ADAFDF57}" type="datetimeFigureOut">
               <a:rPr lang="de-DE" smtClean="0"/>
-              <a:t>08.03.25</a:t>
+              <a:t>12.03.25</a:t>
             </a:fld>
             <a:endParaRPr lang="de-DE"/>
           </a:p>
@@ -2680,7 +2680,7 @@
           <a:p>
             <a:fld id="{EFFEA685-BBEC-B74E-B5D9-2AE9ADAFDF57}" type="datetimeFigureOut">
               <a:rPr lang="de-DE" smtClean="0"/>
-              <a:t>08.03.25</a:t>
+              <a:t>12.03.25</a:t>
             </a:fld>
             <a:endParaRPr lang="de-DE"/>
           </a:p>
@@ -2921,7 +2921,7 @@
           <a:p>
             <a:fld id="{EFFEA685-BBEC-B74E-B5D9-2AE9ADAFDF57}" type="datetimeFigureOut">
               <a:rPr lang="de-DE" smtClean="0"/>
-              <a:t>08.03.25</a:t>
+              <a:t>12.03.25</a:t>
             </a:fld>
             <a:endParaRPr lang="de-DE"/>
           </a:p>
@@ -3620,14 +3620,13 @@
         </p:nvPicPr>
         <p:blipFill>
           <a:blip r:embed="rId2"/>
-          <a:stretch>
-            <a:fillRect/>
-          </a:stretch>
+          <a:srcRect t="8768" r="11958" b="3188"/>
+          <a:stretch/>
         </p:blipFill>
         <p:spPr>
           <a:xfrm>
-            <a:off x="2590800" y="1092200"/>
-            <a:ext cx="7010400" cy="4673600"/>
+            <a:off x="3195320" y="1539240"/>
+            <a:ext cx="6172200" cy="4114800"/>
           </a:xfrm>
           <a:prstGeom prst="rect">
             <a:avLst/>
